--- a/Sociala medier 01-04 presentation.pptx
+++ b/Sociala medier 01-04 presentation.pptx
@@ -202,6 +202,7 @@
           <a:p>
             <a:fld id="{09B45D27-0554-400A-90EF-B5883169863F}" type="datetimeFigureOut">
               <a:rPr lang="sv-SE" smtClean="0"/>
+              <a:pPr/>
               <a:t>2015-03-31</a:t>
             </a:fld>
             <a:endParaRPr lang="sv-SE"/>
@@ -363,6 +364,7 @@
           <a:p>
             <a:fld id="{F5E1D48F-6023-49DA-A31A-2ECC6CB1EAD5}" type="slidenum">
               <a:rPr lang="sv-SE" smtClean="0"/>
+              <a:pPr/>
               <a:t>‹#›</a:t>
             </a:fld>
             <a:endParaRPr lang="sv-SE"/>
@@ -4926,7 +4928,7 @@
     </p:spTree>
     <p:extLst>
       <p:ext uri="{BB962C8B-B14F-4D97-AF65-F5344CB8AC3E}">
-        <p14:creationId xmlns:p14="http://schemas.microsoft.com/office/powerpoint/2010/main" xmlns="" val="3277165623"/>
+        <p14:creationId xmlns="" xmlns:p14="http://schemas.microsoft.com/office/powerpoint/2010/main" val="3277165623"/>
       </p:ext>
     </p:extLst>
   </p:cSld>
@@ -4977,7 +4979,7 @@
           <a:p>
             <a:r>
               <a:rPr lang="sv-SE" dirty="0" smtClean="0"/>
-              <a:t>Bloggar?</a:t>
+              <a:t>Bloggs</a:t>
             </a:r>
             <a:endParaRPr lang="sv-SE" dirty="0"/>
           </a:p>
@@ -5002,7 +5004,53 @@
           <a:p>
             <a:r>
               <a:rPr lang="sv-SE" dirty="0" smtClean="0"/>
-              <a:t>Vår slutsats är att att exkludera bloggar då det inte finns nått unisont system för detta och kan därför bli svårt att finna data</a:t>
+              <a:t>Our </a:t>
+            </a:r>
+            <a:r>
+              <a:rPr lang="sv-SE" dirty="0" err="1" smtClean="0"/>
+              <a:t>conclusion</a:t>
+            </a:r>
+            <a:r>
+              <a:rPr lang="sv-SE" dirty="0" smtClean="0"/>
+              <a:t>: </a:t>
+            </a:r>
+            <a:r>
+              <a:rPr lang="sv-SE" dirty="0" err="1" smtClean="0"/>
+              <a:t>exclude</a:t>
+            </a:r>
+            <a:r>
+              <a:rPr lang="sv-SE" dirty="0" smtClean="0"/>
+              <a:t> the bloggs</a:t>
+            </a:r>
+          </a:p>
+          <a:p>
+            <a:endParaRPr lang="sv-SE" dirty="0" smtClean="0">
+              <a:sym typeface="Wingdings"/>
+            </a:endParaRPr>
+          </a:p>
+          <a:p>
+            <a:endParaRPr lang="sv-SE" dirty="0" smtClean="0">
+              <a:sym typeface="Wingdings"/>
+            </a:endParaRPr>
+          </a:p>
+          <a:p>
+            <a:r>
+              <a:rPr lang="sv-SE" dirty="0" err="1" smtClean="0">
+                <a:sym typeface="Wingdings"/>
+              </a:rPr>
+              <a:t>Could</a:t>
+            </a:r>
+            <a:r>
+              <a:rPr lang="sv-SE" dirty="0" smtClean="0">
+                <a:sym typeface="Wingdings"/>
+              </a:rPr>
+              <a:t> be </a:t>
+            </a:r>
+            <a:r>
+              <a:rPr lang="sv-SE" dirty="0" err="1" smtClean="0">
+                <a:sym typeface="Wingdings"/>
+              </a:rPr>
+              <a:t>looked</a:t>
             </a:r>
             <a:r>
               <a:rPr lang="sv-SE" dirty="0" smtClean="0">
@@ -5010,13 +5058,41 @@
               </a:rPr>
               <a:t> </a:t>
             </a:r>
-          </a:p>
-          <a:p>
+            <a:r>
+              <a:rPr lang="sv-SE" dirty="0" err="1" smtClean="0">
+                <a:sym typeface="Wingdings"/>
+              </a:rPr>
+              <a:t>more</a:t>
+            </a:r>
             <a:r>
               <a:rPr lang="sv-SE" dirty="0" smtClean="0">
                 <a:sym typeface="Wingdings"/>
               </a:rPr>
-              <a:t>Någon som har annat förslag för att finna data? Spåna eller hojta till!</a:t>
+              <a:t> </a:t>
+            </a:r>
+            <a:r>
+              <a:rPr lang="sv-SE" dirty="0" err="1" smtClean="0">
+                <a:sym typeface="Wingdings"/>
+              </a:rPr>
+              <a:t>into</a:t>
+            </a:r>
+            <a:r>
+              <a:rPr lang="sv-SE" dirty="0" smtClean="0">
+                <a:sym typeface="Wingdings"/>
+              </a:rPr>
+              <a:t>= </a:t>
+            </a:r>
+            <a:r>
+              <a:rPr lang="sv-SE" dirty="0" err="1" smtClean="0">
+                <a:sym typeface="Wingdings"/>
+              </a:rPr>
+              <a:t>cost</a:t>
+            </a:r>
+            <a:r>
+              <a:rPr lang="sv-SE" dirty="0" smtClean="0">
+                <a:sym typeface="Wingdings"/>
+              </a:rPr>
+              <a:t> of time</a:t>
             </a:r>
             <a:endParaRPr lang="sv-SE" dirty="0" smtClean="0"/>
           </a:p>
@@ -5025,7 +5101,7 @@
     </p:spTree>
     <p:extLst>
       <p:ext uri="{BB962C8B-B14F-4D97-AF65-F5344CB8AC3E}">
-        <p14:creationId xmlns:p14="http://schemas.microsoft.com/office/powerpoint/2010/main" xmlns="" val="1819711001"/>
+        <p14:creationId xmlns="" xmlns:p14="http://schemas.microsoft.com/office/powerpoint/2010/main" val="1819711001"/>
       </p:ext>
     </p:extLst>
   </p:cSld>
@@ -5164,7 +5240,7 @@
     </p:spTree>
     <p:extLst>
       <p:ext uri="{BB962C8B-B14F-4D97-AF65-F5344CB8AC3E}">
-        <p14:creationId xmlns:p14="http://schemas.microsoft.com/office/powerpoint/2010/main" xmlns="" val="218366034"/>
+        <p14:creationId xmlns="" xmlns:p14="http://schemas.microsoft.com/office/powerpoint/2010/main" val="218366034"/>
       </p:ext>
     </p:extLst>
   </p:cSld>
@@ -5267,7 +5343,7 @@
     </p:spTree>
     <p:extLst>
       <p:ext uri="{BB962C8B-B14F-4D97-AF65-F5344CB8AC3E}">
-        <p14:creationId xmlns:p14="http://schemas.microsoft.com/office/powerpoint/2010/main" xmlns="" val="3796357991"/>
+        <p14:creationId xmlns="" xmlns:p14="http://schemas.microsoft.com/office/powerpoint/2010/main" val="3796357991"/>
       </p:ext>
     </p:extLst>
   </p:cSld>
@@ -5334,7 +5410,7 @@
           <a:blip r:embed="rId2">
             <a:extLst>
               <a:ext uri="{28A0092B-C50C-407E-A947-70E740481C1C}">
-                <a14:useLocalDpi xmlns:a14="http://schemas.microsoft.com/office/drawing/2010/main" xmlns="" val="0"/>
+                <a14:useLocalDpi xmlns="" xmlns:a14="http://schemas.microsoft.com/office/drawing/2010/main" val="0"/>
               </a:ext>
             </a:extLst>
           </a:blip>
@@ -5353,7 +5429,7 @@
     </p:spTree>
     <p:extLst>
       <p:ext uri="{BB962C8B-B14F-4D97-AF65-F5344CB8AC3E}">
-        <p14:creationId xmlns:p14="http://schemas.microsoft.com/office/powerpoint/2010/main" xmlns="" val="378133552"/>
+        <p14:creationId xmlns="" xmlns:p14="http://schemas.microsoft.com/office/powerpoint/2010/main" val="378133552"/>
       </p:ext>
     </p:extLst>
   </p:cSld>
@@ -5588,11 +5664,7 @@
             <a:pPr lvl="1"/>
             <a:r>
               <a:rPr lang="sv" dirty="0" smtClean="0"/>
-              <a:t>name, profile picture, </a:t>
-            </a:r>
-            <a:r>
-              <a:rPr lang="sv" dirty="0" smtClean="0"/>
-              <a:t>bio etc</a:t>
+              <a:t>name, profile picture, bio etc</a:t>
             </a:r>
           </a:p>
           <a:p>
@@ -5814,7 +5886,7 @@
           <a:blip r:embed="rId3">
             <a:extLst>
               <a:ext uri="{28A0092B-C50C-407E-A947-70E740481C1C}">
-                <a14:useLocalDpi xmlns:a14="http://schemas.microsoft.com/office/drawing/2010/main" xmlns="" val="0"/>
+                <a14:useLocalDpi xmlns="" xmlns:a14="http://schemas.microsoft.com/office/drawing/2010/main" val="0"/>
               </a:ext>
             </a:extLst>
           </a:blip>
@@ -5849,7 +5921,7 @@
           <a:blip r:embed="rId4">
             <a:extLst>
               <a:ext uri="{28A0092B-C50C-407E-A947-70E740481C1C}">
-                <a14:useLocalDpi xmlns:a14="http://schemas.microsoft.com/office/drawing/2010/main" xmlns="" val="0"/>
+                <a14:useLocalDpi xmlns="" xmlns:a14="http://schemas.microsoft.com/office/drawing/2010/main" val="0"/>
               </a:ext>
             </a:extLst>
           </a:blip>
@@ -5875,7 +5947,7 @@
     </p:spTree>
     <p:extLst>
       <p:ext uri="{BB962C8B-B14F-4D97-AF65-F5344CB8AC3E}">
-        <p14:creationId xmlns:p14="http://schemas.microsoft.com/office/powerpoint/2010/main" xmlns="" val="149493088"/>
+        <p14:creationId xmlns="" xmlns:p14="http://schemas.microsoft.com/office/powerpoint/2010/main" val="149493088"/>
       </p:ext>
     </p:extLst>
   </p:cSld>
@@ -6138,7 +6210,7 @@
     </p:spTree>
     <p:extLst>
       <p:ext uri="{BB962C8B-B14F-4D97-AF65-F5344CB8AC3E}">
-        <p14:creationId xmlns:p14="http://schemas.microsoft.com/office/powerpoint/2010/main" xmlns="" val="771286843"/>
+        <p14:creationId xmlns="" xmlns:p14="http://schemas.microsoft.com/office/powerpoint/2010/main" val="771286843"/>
       </p:ext>
     </p:extLst>
   </p:cSld>
@@ -6318,7 +6390,7 @@
     </p:spTree>
     <p:extLst>
       <p:ext uri="{BB962C8B-B14F-4D97-AF65-F5344CB8AC3E}">
-        <p14:creationId xmlns:p14="http://schemas.microsoft.com/office/powerpoint/2010/main" xmlns="" val="3048130568"/>
+        <p14:creationId xmlns="" xmlns:p14="http://schemas.microsoft.com/office/powerpoint/2010/main" val="3048130568"/>
       </p:ext>
     </p:extLst>
   </p:cSld>

--- a/Sociala medier 01-04 presentation.pptx
+++ b/Sociala medier 01-04 presentation.pptx
@@ -203,7 +203,7 @@
             <a:fld id="{09B45D27-0554-400A-90EF-B5883169863F}" type="datetimeFigureOut">
               <a:rPr lang="sv-SE" smtClean="0"/>
               <a:pPr/>
-              <a:t>2015-03-31</a:t>
+              <a:t>15-03-31</a:t>
             </a:fld>
             <a:endParaRPr lang="sv-SE"/>
           </a:p>
@@ -372,6 +372,11 @@
         </p:txBody>
       </p:sp>
     </p:spTree>
+    <p:extLst>
+      <p:ext uri="{BB962C8B-B14F-4D97-AF65-F5344CB8AC3E}">
+        <p14:creationId xmlns:p14="http://schemas.microsoft.com/office/powerpoint/2010/main" val="2109547985"/>
+      </p:ext>
+    </p:extLst>
   </p:cSld>
   <p:clrMap bg1="lt1" tx1="dk1" bg2="lt2" tx2="dk2" accent1="accent1" accent2="accent2" accent3="accent3" accent4="accent4" accent5="accent5" accent6="accent6" hlink="hlink" folHlink="folHlink"/>
   <p:notesStyle>
@@ -604,7 +609,7 @@
             <a:fld id="{C82074D7-9105-BA49-B736-87FB0CE28F88}" type="datetimeFigureOut">
               <a:rPr lang="en-US" smtClean="0"/>
               <a:pPr/>
-              <a:t>3/31/2015</a:t>
+              <a:t>15-03-31</a:t>
             </a:fld>
             <a:endParaRPr lang="en-US"/>
           </a:p>
@@ -919,7 +924,7 @@
             <a:fld id="{C82074D7-9105-BA49-B736-87FB0CE28F88}" type="datetimeFigureOut">
               <a:rPr lang="en-US" smtClean="0"/>
               <a:pPr/>
-              <a:t>3/31/2015</a:t>
+              <a:t>15-03-31</a:t>
             </a:fld>
             <a:endParaRPr lang="en-US"/>
           </a:p>
@@ -1106,7 +1111,7 @@
             <a:fld id="{C82074D7-9105-BA49-B736-87FB0CE28F88}" type="datetimeFigureOut">
               <a:rPr lang="en-US" smtClean="0"/>
               <a:pPr/>
-              <a:t>3/31/2015</a:t>
+              <a:t>15-03-31</a:t>
             </a:fld>
             <a:endParaRPr lang="en-US"/>
           </a:p>
@@ -1525,7 +1530,7 @@
             <a:fld id="{C82074D7-9105-BA49-B736-87FB0CE28F88}" type="datetimeFigureOut">
               <a:rPr lang="en-US" smtClean="0"/>
               <a:pPr/>
-              <a:t>3/31/2015</a:t>
+              <a:t>15-03-31</a:t>
             </a:fld>
             <a:endParaRPr lang="en-US"/>
           </a:p>
@@ -1795,7 +1800,7 @@
             <a:fld id="{C82074D7-9105-BA49-B736-87FB0CE28F88}" type="datetimeFigureOut">
               <a:rPr lang="en-US" smtClean="0"/>
               <a:pPr/>
-              <a:t>3/31/2015</a:t>
+              <a:t>15-03-31</a:t>
             </a:fld>
             <a:endParaRPr lang="en-US"/>
           </a:p>
@@ -2265,7 +2270,7 @@
             <a:fld id="{C82074D7-9105-BA49-B736-87FB0CE28F88}" type="datetimeFigureOut">
               <a:rPr lang="en-US" smtClean="0"/>
               <a:pPr/>
-              <a:t>3/31/2015</a:t>
+              <a:t>15-03-31</a:t>
             </a:fld>
             <a:endParaRPr lang="en-US"/>
           </a:p>
@@ -2756,7 +2761,7 @@
             <a:fld id="{C82074D7-9105-BA49-B736-87FB0CE28F88}" type="datetimeFigureOut">
               <a:rPr lang="en-US" smtClean="0"/>
               <a:pPr/>
-              <a:t>3/31/2015</a:t>
+              <a:t>15-03-31</a:t>
             </a:fld>
             <a:endParaRPr lang="en-US"/>
           </a:p>
@@ -2884,7 +2889,7 @@
             <a:fld id="{C82074D7-9105-BA49-B736-87FB0CE28F88}" type="datetimeFigureOut">
               <a:rPr lang="en-US" smtClean="0"/>
               <a:pPr/>
-              <a:t>3/31/2015</a:t>
+              <a:t>15-03-31</a:t>
             </a:fld>
             <a:endParaRPr lang="en-US"/>
           </a:p>
@@ -3030,7 +3035,7 @@
             <a:fld id="{C82074D7-9105-BA49-B736-87FB0CE28F88}" type="datetimeFigureOut">
               <a:rPr lang="en-US" smtClean="0"/>
               <a:pPr/>
-              <a:t>3/31/2015</a:t>
+              <a:t>15-03-31</a:t>
             </a:fld>
             <a:endParaRPr lang="en-US"/>
           </a:p>
@@ -3354,7 +3359,7 @@
             <a:fld id="{C82074D7-9105-BA49-B736-87FB0CE28F88}" type="datetimeFigureOut">
               <a:rPr lang="en-US" smtClean="0"/>
               <a:pPr/>
-              <a:t>3/31/2015</a:t>
+              <a:t>15-03-31</a:t>
             </a:fld>
             <a:endParaRPr lang="en-US"/>
           </a:p>
@@ -3490,7 +3495,7 @@
             <a:fld id="{C82074D7-9105-BA49-B736-87FB0CE28F88}" type="datetimeFigureOut">
               <a:rPr lang="en-US" smtClean="0"/>
               <a:pPr/>
-              <a:t>3/31/2015</a:t>
+              <a:t>15-03-31</a:t>
             </a:fld>
             <a:endParaRPr lang="en-US"/>
           </a:p>
@@ -4273,7 +4278,7 @@
             <a:fld id="{C82074D7-9105-BA49-B736-87FB0CE28F88}" type="datetimeFigureOut">
               <a:rPr lang="en-US" smtClean="0"/>
               <a:pPr/>
-              <a:t>3/31/2015</a:t>
+              <a:t>15-03-31</a:t>
             </a:fld>
             <a:endParaRPr lang="en-US"/>
           </a:p>
@@ -4821,7 +4826,7 @@
   <p:timing>
     <p:tnLst>
       <p:par>
-        <p:cTn id="1" dur="indefinite" restart="never" nodeType="tmRoot"/>
+        <p:cTn xmlns:p14="http://schemas.microsoft.com/office/powerpoint/2010/main" id="1" dur="indefinite" restart="never" nodeType="tmRoot"/>
       </p:par>
     </p:tnLst>
   </p:timing>
@@ -4928,7 +4933,7 @@
     </p:spTree>
     <p:extLst>
       <p:ext uri="{BB962C8B-B14F-4D97-AF65-F5344CB8AC3E}">
-        <p14:creationId xmlns="" xmlns:p14="http://schemas.microsoft.com/office/powerpoint/2010/main" val="3277165623"/>
+        <p14:creationId xmlns:p14="http://schemas.microsoft.com/office/powerpoint/2010/main" val="3277165623"/>
       </p:ext>
     </p:extLst>
   </p:cSld>
@@ -4938,7 +4943,7 @@
   <p:timing>
     <p:tnLst>
       <p:par>
-        <p:cTn id="1" dur="indefinite" restart="never" nodeType="tmRoot"/>
+        <p:cTn xmlns:p14="http://schemas.microsoft.com/office/powerpoint/2010/main" id="1" dur="indefinite" restart="never" nodeType="tmRoot"/>
       </p:par>
     </p:tnLst>
   </p:timing>
@@ -5101,7 +5106,7 @@
     </p:spTree>
     <p:extLst>
       <p:ext uri="{BB962C8B-B14F-4D97-AF65-F5344CB8AC3E}">
-        <p14:creationId xmlns="" xmlns:p14="http://schemas.microsoft.com/office/powerpoint/2010/main" val="1819711001"/>
+        <p14:creationId xmlns:p14="http://schemas.microsoft.com/office/powerpoint/2010/main" val="1819711001"/>
       </p:ext>
     </p:extLst>
   </p:cSld>
@@ -5111,7 +5116,7 @@
   <p:timing>
     <p:tnLst>
       <p:par>
-        <p:cTn id="1" dur="indefinite" restart="never" nodeType="tmRoot"/>
+        <p:cTn xmlns:p14="http://schemas.microsoft.com/office/powerpoint/2010/main" id="1" dur="indefinite" restart="never" nodeType="tmRoot"/>
       </p:par>
     </p:tnLst>
   </p:timing>
@@ -5240,7 +5245,7 @@
     </p:spTree>
     <p:extLst>
       <p:ext uri="{BB962C8B-B14F-4D97-AF65-F5344CB8AC3E}">
-        <p14:creationId xmlns="" xmlns:p14="http://schemas.microsoft.com/office/powerpoint/2010/main" val="218366034"/>
+        <p14:creationId xmlns:p14="http://schemas.microsoft.com/office/powerpoint/2010/main" val="218366034"/>
       </p:ext>
     </p:extLst>
   </p:cSld>
@@ -5250,7 +5255,7 @@
   <p:timing>
     <p:tnLst>
       <p:par>
-        <p:cTn id="1" dur="indefinite" restart="never" nodeType="tmRoot"/>
+        <p:cTn xmlns:p14="http://schemas.microsoft.com/office/powerpoint/2010/main" id="1" dur="indefinite" restart="never" nodeType="tmRoot"/>
       </p:par>
     </p:tnLst>
   </p:timing>
@@ -5343,7 +5348,7 @@
     </p:spTree>
     <p:extLst>
       <p:ext uri="{BB962C8B-B14F-4D97-AF65-F5344CB8AC3E}">
-        <p14:creationId xmlns="" xmlns:p14="http://schemas.microsoft.com/office/powerpoint/2010/main" val="3796357991"/>
+        <p14:creationId xmlns:p14="http://schemas.microsoft.com/office/powerpoint/2010/main" val="3796357991"/>
       </p:ext>
     </p:extLst>
   </p:cSld>
@@ -5353,7 +5358,7 @@
   <p:timing>
     <p:tnLst>
       <p:par>
-        <p:cTn id="1" dur="indefinite" restart="never" nodeType="tmRoot"/>
+        <p:cTn xmlns:p14="http://schemas.microsoft.com/office/powerpoint/2010/main" id="1" dur="indefinite" restart="never" nodeType="tmRoot"/>
       </p:par>
     </p:tnLst>
   </p:timing>
@@ -5392,6 +5397,10 @@
           <a:bodyPr/>
           <a:lstStyle/>
           <a:p>
+            <a:r>
+              <a:rPr lang="en-US" dirty="0" smtClean="0"/>
+              <a:t>Example</a:t>
+            </a:r>
             <a:endParaRPr lang="en-US" dirty="0"/>
           </a:p>
         </p:txBody>
@@ -5410,7 +5419,7 @@
           <a:blip r:embed="rId2">
             <a:extLst>
               <a:ext uri="{28A0092B-C50C-407E-A947-70E740481C1C}">
-                <a14:useLocalDpi xmlns="" xmlns:a14="http://schemas.microsoft.com/office/drawing/2010/main" val="0"/>
+                <a14:useLocalDpi xmlns:a14="http://schemas.microsoft.com/office/drawing/2010/main" val="0"/>
               </a:ext>
             </a:extLst>
           </a:blip>
@@ -5421,15 +5430,15 @@
         </p:blipFill>
         <p:spPr>
           <a:xfrm>
-            <a:off x="457200" y="1600200"/>
-            <a:ext cx="5046588" cy="2775429"/>
+            <a:off x="1435607" y="1600200"/>
+            <a:ext cx="5804541" cy="3192274"/>
           </a:xfrm>
         </p:spPr>
       </p:pic>
     </p:spTree>
     <p:extLst>
       <p:ext uri="{BB962C8B-B14F-4D97-AF65-F5344CB8AC3E}">
-        <p14:creationId xmlns="" xmlns:p14="http://schemas.microsoft.com/office/powerpoint/2010/main" val="378133552"/>
+        <p14:creationId xmlns:p14="http://schemas.microsoft.com/office/powerpoint/2010/main" val="378133552"/>
       </p:ext>
     </p:extLst>
   </p:cSld>
@@ -5439,7 +5448,7 @@
   <p:timing>
     <p:tnLst>
       <p:par>
-        <p:cTn id="1" dur="indefinite" restart="never" nodeType="tmRoot"/>
+        <p:cTn xmlns:p14="http://schemas.microsoft.com/office/powerpoint/2010/main" id="1" dur="indefinite" restart="never" nodeType="tmRoot"/>
       </p:par>
     </p:tnLst>
   </p:timing>
@@ -5573,7 +5582,7 @@
   <p:timing>
     <p:tnLst>
       <p:par>
-        <p:cTn id="1" dur="indefinite" restart="never" nodeType="tmRoot"/>
+        <p:cTn xmlns:p14="http://schemas.microsoft.com/office/powerpoint/2010/main" id="1" dur="indefinite" restart="never" nodeType="tmRoot"/>
       </p:par>
     </p:tnLst>
   </p:timing>
@@ -5698,7 +5707,7 @@
   <p:timing>
     <p:tnLst>
       <p:par>
-        <p:cTn id="1" dur="indefinite" restart="never" nodeType="tmRoot"/>
+        <p:cTn xmlns:p14="http://schemas.microsoft.com/office/powerpoint/2010/main" id="1" dur="indefinite" restart="never" nodeType="tmRoot"/>
       </p:par>
     </p:tnLst>
   </p:timing>
@@ -5886,7 +5895,7 @@
           <a:blip r:embed="rId3">
             <a:extLst>
               <a:ext uri="{28A0092B-C50C-407E-A947-70E740481C1C}">
-                <a14:useLocalDpi xmlns="" xmlns:a14="http://schemas.microsoft.com/office/drawing/2010/main" val="0"/>
+                <a14:useLocalDpi xmlns:a14="http://schemas.microsoft.com/office/drawing/2010/main" val="0"/>
               </a:ext>
             </a:extLst>
           </a:blip>
@@ -5921,7 +5930,7 @@
           <a:blip r:embed="rId4">
             <a:extLst>
               <a:ext uri="{28A0092B-C50C-407E-A947-70E740481C1C}">
-                <a14:useLocalDpi xmlns="" xmlns:a14="http://schemas.microsoft.com/office/drawing/2010/main" val="0"/>
+                <a14:useLocalDpi xmlns:a14="http://schemas.microsoft.com/office/drawing/2010/main" val="0"/>
               </a:ext>
             </a:extLst>
           </a:blip>
@@ -5947,7 +5956,7 @@
     </p:spTree>
     <p:extLst>
       <p:ext uri="{BB962C8B-B14F-4D97-AF65-F5344CB8AC3E}">
-        <p14:creationId xmlns="" xmlns:p14="http://schemas.microsoft.com/office/powerpoint/2010/main" val="149493088"/>
+        <p14:creationId xmlns:p14="http://schemas.microsoft.com/office/powerpoint/2010/main" val="149493088"/>
       </p:ext>
     </p:extLst>
   </p:cSld>
@@ -5957,7 +5966,7 @@
   <p:timing>
     <p:tnLst>
       <p:par>
-        <p:cTn id="1" dur="indefinite" restart="never" nodeType="tmRoot"/>
+        <p:cTn xmlns:p14="http://schemas.microsoft.com/office/powerpoint/2010/main" id="1" dur="indefinite" restart="never" nodeType="tmRoot"/>
       </p:par>
     </p:tnLst>
   </p:timing>
@@ -6210,7 +6219,7 @@
     </p:spTree>
     <p:extLst>
       <p:ext uri="{BB962C8B-B14F-4D97-AF65-F5344CB8AC3E}">
-        <p14:creationId xmlns="" xmlns:p14="http://schemas.microsoft.com/office/powerpoint/2010/main" val="771286843"/>
+        <p14:creationId xmlns:p14="http://schemas.microsoft.com/office/powerpoint/2010/main" val="771286843"/>
       </p:ext>
     </p:extLst>
   </p:cSld>
@@ -6220,7 +6229,7 @@
   <p:timing>
     <p:tnLst>
       <p:par>
-        <p:cTn id="1" dur="indefinite" restart="never" nodeType="tmRoot"/>
+        <p:cTn xmlns:p14="http://schemas.microsoft.com/office/powerpoint/2010/main" id="1" dur="indefinite" restart="never" nodeType="tmRoot"/>
       </p:par>
     </p:tnLst>
   </p:timing>
@@ -6390,7 +6399,7 @@
     </p:spTree>
     <p:extLst>
       <p:ext uri="{BB962C8B-B14F-4D97-AF65-F5344CB8AC3E}">
-        <p14:creationId xmlns="" xmlns:p14="http://schemas.microsoft.com/office/powerpoint/2010/main" val="3048130568"/>
+        <p14:creationId xmlns:p14="http://schemas.microsoft.com/office/powerpoint/2010/main" val="3048130568"/>
       </p:ext>
     </p:extLst>
   </p:cSld>
@@ -6400,7 +6409,7 @@
   <p:timing>
     <p:tnLst>
       <p:par>
-        <p:cTn id="1" dur="indefinite" restart="never" nodeType="tmRoot"/>
+        <p:cTn xmlns:p14="http://schemas.microsoft.com/office/powerpoint/2010/main" id="1" dur="indefinite" restart="never" nodeType="tmRoot"/>
       </p:par>
     </p:tnLst>
   </p:timing>
